--- a/20173765문법식.pptx
+++ b/20173765문법식.pptx
@@ -7,9 +7,8 @@
   <p:sldIdLst>
     <p:sldId id="256" r:id="rId2"/>
     <p:sldId id="257" r:id="rId3"/>
-    <p:sldId id="258" r:id="rId4"/>
-    <p:sldId id="259" r:id="rId5"/>
-    <p:sldId id="260" r:id="rId6"/>
+    <p:sldId id="259" r:id="rId4"/>
+    <p:sldId id="260" r:id="rId5"/>
   </p:sldIdLst>
   <p:sldSz cx="12192000" cy="6858000"/>
   <p:notesSz cx="6858000" cy="9144000"/>
@@ -108,7 +107,16 @@
       </a:defRPr>
     </a:lvl9pPr>
   </p:defaultTextStyle>
+  <p:extLst>
+    <p:ext uri="{EFAFB233-063F-42B5-8137-9DF3F51BA10A}">
+      <p15:sldGuideLst xmlns:p15="http://schemas.microsoft.com/office/powerpoint/2012/main"/>
+    </p:ext>
+  </p:extLst>
 </p:presentation>
+</file>
+
+<file path=ppt/revisionInfo.xml><?xml version="1.0" encoding="utf-8"?>
+<p1510:revInfo xmlns:a="http://schemas.openxmlformats.org/drawingml/2006/main" xmlns:r="http://schemas.openxmlformats.org/officeDocument/2006/relationships" xmlns:p1510="http://schemas.microsoft.com/office/powerpoint/2015/10/main"/>
 </file>
 
 <file path=ppt/slideLayouts/slideLayout1.xml><?xml version="1.0" encoding="utf-8"?>
@@ -258,7 +266,7 @@
           <a:p>
             <a:fld id="{E3FFC627-FAF3-40B7-94A7-54F6DB94B1DB}" type="datetimeFigureOut">
               <a:rPr lang="ko-KR" altLang="en-US" smtClean="0"/>
-              <a:t>2017-11-01</a:t>
+              <a:t>2017-11-03</a:t>
             </a:fld>
             <a:endParaRPr lang="ko-KR" altLang="en-US"/>
           </a:p>
@@ -456,7 +464,7 @@
           <a:p>
             <a:fld id="{E3FFC627-FAF3-40B7-94A7-54F6DB94B1DB}" type="datetimeFigureOut">
               <a:rPr lang="ko-KR" altLang="en-US" smtClean="0"/>
-              <a:t>2017-11-01</a:t>
+              <a:t>2017-11-03</a:t>
             </a:fld>
             <a:endParaRPr lang="ko-KR" altLang="en-US"/>
           </a:p>
@@ -664,7 +672,7 @@
           <a:p>
             <a:fld id="{E3FFC627-FAF3-40B7-94A7-54F6DB94B1DB}" type="datetimeFigureOut">
               <a:rPr lang="ko-KR" altLang="en-US" smtClean="0"/>
-              <a:t>2017-11-01</a:t>
+              <a:t>2017-11-03</a:t>
             </a:fld>
             <a:endParaRPr lang="ko-KR" altLang="en-US"/>
           </a:p>
@@ -862,7 +870,7 @@
           <a:p>
             <a:fld id="{E3FFC627-FAF3-40B7-94A7-54F6DB94B1DB}" type="datetimeFigureOut">
               <a:rPr lang="ko-KR" altLang="en-US" smtClean="0"/>
-              <a:t>2017-11-01</a:t>
+              <a:t>2017-11-03</a:t>
             </a:fld>
             <a:endParaRPr lang="ko-KR" altLang="en-US"/>
           </a:p>
@@ -1137,7 +1145,7 @@
           <a:p>
             <a:fld id="{E3FFC627-FAF3-40B7-94A7-54F6DB94B1DB}" type="datetimeFigureOut">
               <a:rPr lang="ko-KR" altLang="en-US" smtClean="0"/>
-              <a:t>2017-11-01</a:t>
+              <a:t>2017-11-03</a:t>
             </a:fld>
             <a:endParaRPr lang="ko-KR" altLang="en-US"/>
           </a:p>
@@ -1402,7 +1410,7 @@
           <a:p>
             <a:fld id="{E3FFC627-FAF3-40B7-94A7-54F6DB94B1DB}" type="datetimeFigureOut">
               <a:rPr lang="ko-KR" altLang="en-US" smtClean="0"/>
-              <a:t>2017-11-01</a:t>
+              <a:t>2017-11-03</a:t>
             </a:fld>
             <a:endParaRPr lang="ko-KR" altLang="en-US"/>
           </a:p>
@@ -1814,7 +1822,7 @@
           <a:p>
             <a:fld id="{E3FFC627-FAF3-40B7-94A7-54F6DB94B1DB}" type="datetimeFigureOut">
               <a:rPr lang="ko-KR" altLang="en-US" smtClean="0"/>
-              <a:t>2017-11-01</a:t>
+              <a:t>2017-11-03</a:t>
             </a:fld>
             <a:endParaRPr lang="ko-KR" altLang="en-US"/>
           </a:p>
@@ -1955,7 +1963,7 @@
           <a:p>
             <a:fld id="{E3FFC627-FAF3-40B7-94A7-54F6DB94B1DB}" type="datetimeFigureOut">
               <a:rPr lang="ko-KR" altLang="en-US" smtClean="0"/>
-              <a:t>2017-11-01</a:t>
+              <a:t>2017-11-03</a:t>
             </a:fld>
             <a:endParaRPr lang="ko-KR" altLang="en-US"/>
           </a:p>
@@ -2068,7 +2076,7 @@
           <a:p>
             <a:fld id="{E3FFC627-FAF3-40B7-94A7-54F6DB94B1DB}" type="datetimeFigureOut">
               <a:rPr lang="ko-KR" altLang="en-US" smtClean="0"/>
-              <a:t>2017-11-01</a:t>
+              <a:t>2017-11-03</a:t>
             </a:fld>
             <a:endParaRPr lang="ko-KR" altLang="en-US"/>
           </a:p>
@@ -2379,7 +2387,7 @@
           <a:p>
             <a:fld id="{E3FFC627-FAF3-40B7-94A7-54F6DB94B1DB}" type="datetimeFigureOut">
               <a:rPr lang="ko-KR" altLang="en-US" smtClean="0"/>
-              <a:t>2017-11-01</a:t>
+              <a:t>2017-11-03</a:t>
             </a:fld>
             <a:endParaRPr lang="ko-KR" altLang="en-US"/>
           </a:p>
@@ -2667,7 +2675,7 @@
           <a:p>
             <a:fld id="{E3FFC627-FAF3-40B7-94A7-54F6DB94B1DB}" type="datetimeFigureOut">
               <a:rPr lang="ko-KR" altLang="en-US" smtClean="0"/>
-              <a:t>2017-11-01</a:t>
+              <a:t>2017-11-03</a:t>
             </a:fld>
             <a:endParaRPr lang="ko-KR" altLang="en-US"/>
           </a:p>
@@ -2908,7 +2916,7 @@
           <a:p>
             <a:fld id="{E3FFC627-FAF3-40B7-94A7-54F6DB94B1DB}" type="datetimeFigureOut">
               <a:rPr lang="ko-KR" altLang="en-US" smtClean="0"/>
-              <a:t>2017-11-01</a:t>
+              <a:t>2017-11-03</a:t>
             </a:fld>
             <a:endParaRPr lang="ko-KR" altLang="en-US"/>
           </a:p>
@@ -3437,8 +3445,119 @@
           <a:lstStyle/>
           <a:p>
             <a:r>
+              <a:rPr lang="en-US" altLang="ko-KR" dirty="0" err="1"/>
+              <a:t>fopen</a:t>
+            </a:r>
+            <a:r>
+              <a:rPr lang="en-US" altLang="ko-KR" dirty="0"/>
+              <a:t>()</a:t>
+            </a:r>
+            <a:r>
               <a:rPr lang="ko-KR" altLang="en-US" dirty="0"/>
-              <a:t>텍스트파일을 열고 그 파일에 입력자가 입력한 단어의 개수가 몇 개인지 카운트해서 해당 단어가 더 많은 파일에 우선순위로 랭킹을 한다</a:t>
+              <a:t>을 이용하여 텍스트파일을 연다</a:t>
+            </a:r>
+            <a:endParaRPr lang="en-US" altLang="ko-KR" dirty="0"/>
+          </a:p>
+          <a:p>
+            <a:r>
+              <a:rPr lang="ko-KR" altLang="en-US" dirty="0"/>
+              <a:t>그 파일에 입력자가 입력한 단어의 개수가 몇 개인지 카운트한다</a:t>
+            </a:r>
+            <a:r>
+              <a:rPr lang="en-US" altLang="ko-KR" dirty="0"/>
+              <a:t>.</a:t>
+            </a:r>
+          </a:p>
+          <a:p>
+            <a:r>
+              <a:rPr lang="ko-KR" altLang="en-US" dirty="0"/>
+              <a:t>입력자가 입력한 것에 공백이 포함될 수 있으므로 </a:t>
+            </a:r>
+            <a:r>
+              <a:rPr lang="en-US" altLang="ko-KR" dirty="0"/>
+              <a:t>1</a:t>
+            </a:r>
+            <a:r>
+              <a:rPr lang="ko-KR" altLang="en-US" dirty="0"/>
+              <a:t>차원 배열과 </a:t>
+            </a:r>
+            <a:r>
+              <a:rPr lang="en-US" altLang="ko-KR" dirty="0" err="1"/>
+              <a:t>getchar</a:t>
+            </a:r>
+            <a:r>
+              <a:rPr lang="en-US" altLang="ko-KR" dirty="0"/>
+              <a:t>()</a:t>
+            </a:r>
+            <a:r>
+              <a:rPr lang="ko-KR" altLang="en-US" dirty="0"/>
+              <a:t>를 이용하고 문자열에 관련된 계산을 빠르게 하기위해 </a:t>
+            </a:r>
+            <a:r>
+              <a:rPr lang="en-US" altLang="ko-KR" dirty="0"/>
+              <a:t>&lt;</a:t>
+            </a:r>
+            <a:r>
+              <a:rPr lang="en-US" altLang="ko-KR" dirty="0" err="1"/>
+              <a:t>string.h</a:t>
+            </a:r>
+            <a:r>
+              <a:rPr lang="en-US" altLang="ko-KR" dirty="0"/>
+              <a:t>&gt;</a:t>
+            </a:r>
+            <a:r>
+              <a:rPr lang="ko-KR" altLang="en-US" dirty="0"/>
+              <a:t> 헤더파일을 선언한다</a:t>
+            </a:r>
+            <a:r>
+              <a:rPr lang="en-US" altLang="ko-KR" dirty="0"/>
+              <a:t>.</a:t>
+            </a:r>
+          </a:p>
+          <a:p>
+            <a:r>
+              <a:rPr lang="ko-KR" altLang="en-US" dirty="0"/>
+              <a:t>단어의 </a:t>
+            </a:r>
+            <a:r>
+              <a:rPr lang="en-US" altLang="ko-KR" dirty="0"/>
+              <a:t>count</a:t>
+            </a:r>
+            <a:r>
+              <a:rPr lang="ko-KR" altLang="en-US" dirty="0"/>
+              <a:t>는 </a:t>
+            </a:r>
+            <a:r>
+              <a:rPr lang="en-US" altLang="ko-KR" dirty="0"/>
+              <a:t>for</a:t>
+            </a:r>
+            <a:r>
+              <a:rPr lang="ko-KR" altLang="en-US" dirty="0"/>
+              <a:t>문을 이용하여 카운트한다</a:t>
+            </a:r>
+            <a:r>
+              <a:rPr lang="en-US" altLang="ko-KR" dirty="0"/>
+              <a:t>.</a:t>
+            </a:r>
+          </a:p>
+          <a:p>
+            <a:r>
+              <a:rPr lang="en-US" altLang="ko-KR" dirty="0"/>
+              <a:t>for</a:t>
+            </a:r>
+            <a:r>
+              <a:rPr lang="ko-KR" altLang="en-US" dirty="0"/>
+              <a:t>문을 이용하여 모든 텍스트파일에 위의 과정을 반복한다</a:t>
+            </a:r>
+            <a:r>
+              <a:rPr lang="en-US" altLang="ko-KR" dirty="0"/>
+              <a:t>.</a:t>
+            </a:r>
+          </a:p>
+          <a:p>
+            <a:r>
+              <a:rPr lang="ko-KR" altLang="en-US" dirty="0"/>
+              <a:t>해당 단어가 더 많은 파일에 우선순위로 랭킹을 한다</a:t>
             </a:r>
             <a:r>
               <a:rPr lang="en-US" altLang="ko-KR" dirty="0"/>
@@ -3483,7 +3602,7 @@
           <p:cNvPr id="2" name="제목 1">
             <a:extLst>
               <a:ext uri="{FF2B5EF4-FFF2-40B4-BE49-F238E27FC236}">
-                <a16:creationId xmlns:a16="http://schemas.microsoft.com/office/drawing/2014/main" id="{4B914C3B-5787-46AC-8C9C-6BD3E9364569}"/>
+                <a16:creationId xmlns:a16="http://schemas.microsoft.com/office/drawing/2014/main" id="{3E5C5213-D832-4954-9EC7-C4254BEBDA3A}"/>
               </a:ext>
             </a:extLst>
           </p:cNvPr>
@@ -3501,7 +3620,7 @@
           <a:p>
             <a:r>
               <a:rPr lang="ko-KR" altLang="en-US" dirty="0" err="1"/>
-              <a:t>최신순</a:t>
+              <a:t>조회도순</a:t>
             </a:r>
             <a:r>
               <a:rPr lang="ko-KR" altLang="en-US" dirty="0"/>
@@ -3515,7 +3634,7 @@
           <p:cNvPr id="3" name="내용 개체 틀 2">
             <a:extLst>
               <a:ext uri="{FF2B5EF4-FFF2-40B4-BE49-F238E27FC236}">
-                <a16:creationId xmlns:a16="http://schemas.microsoft.com/office/drawing/2014/main" id="{35E09182-2850-41D2-AE18-935D86B7D46A}"/>
+                <a16:creationId xmlns:a16="http://schemas.microsoft.com/office/drawing/2014/main" id="{5997B002-E01C-4C1D-8292-3AF0B6DCD753}"/>
               </a:ext>
             </a:extLst>
           </p:cNvPr>
@@ -3532,8 +3651,58 @@
           <a:lstStyle/>
           <a:p>
             <a:r>
+              <a:rPr lang="en-US" altLang="ko-KR" dirty="0" err="1"/>
+              <a:t>fopen</a:t>
+            </a:r>
+            <a:r>
               <a:rPr lang="ko-KR" altLang="en-US" dirty="0"/>
-              <a:t>입력자가 입력한 단어를 가진 파일 중에서 수정된 날짜가 제일 최신인 것을 우선순위로 랭킹을 한다</a:t>
+              <a:t>을 이용하여 파일을 연다는 것을 이용한다</a:t>
+            </a:r>
+            <a:r>
+              <a:rPr lang="en-US" altLang="ko-KR" dirty="0"/>
+              <a:t>.</a:t>
+            </a:r>
+          </a:p>
+          <a:p>
+            <a:r>
+              <a:rPr lang="ko-KR" altLang="en-US" dirty="0"/>
+              <a:t>모든 텍스트파일에 배열을 이용하여 각각의 파일이 열린 것을 카운트할 변수를 선언한다</a:t>
+            </a:r>
+            <a:r>
+              <a:rPr lang="en-US" altLang="ko-KR" dirty="0"/>
+              <a:t>.(</a:t>
+            </a:r>
+            <a:r>
+              <a:rPr lang="ko-KR" altLang="en-US" dirty="0"/>
+              <a:t>텍스트파일의 개수가 몇 개인지 모르니 동적할당의 이용을 고려한다</a:t>
+            </a:r>
+            <a:r>
+              <a:rPr lang="en-US" altLang="ko-KR" dirty="0"/>
+              <a:t>.)</a:t>
+            </a:r>
+          </a:p>
+          <a:p>
+            <a:r>
+              <a:rPr lang="en-US" altLang="ko-KR" dirty="0" err="1"/>
+              <a:t>fopen</a:t>
+            </a:r>
+            <a:r>
+              <a:rPr lang="ko-KR" altLang="en-US" dirty="0"/>
+              <a:t>을 이용할 때마다 어떤 파일이 열렸는지 카운트한다</a:t>
+            </a:r>
+            <a:r>
+              <a:rPr lang="en-US" altLang="ko-KR" dirty="0"/>
+              <a:t>.</a:t>
+            </a:r>
+          </a:p>
+          <a:p>
+            <a:r>
+              <a:rPr lang="ko-KR" altLang="en-US" dirty="0"/>
+              <a:t>입력자가 가진 파일들 중 가장 많이 열린 파일을 우선순위로 </a:t>
+            </a:r>
+            <a:r>
+              <a:rPr lang="ko-KR" altLang="en-US" dirty="0" err="1"/>
+              <a:t>랭킹한다</a:t>
             </a:r>
             <a:r>
               <a:rPr lang="en-US" altLang="ko-KR" dirty="0"/>
@@ -3546,7 +3715,7 @@
     </p:spTree>
     <p:extLst>
       <p:ext uri="{BB962C8B-B14F-4D97-AF65-F5344CB8AC3E}">
-        <p14:creationId xmlns:p14="http://schemas.microsoft.com/office/powerpoint/2010/main" val="2177586302"/>
+        <p14:creationId xmlns:p14="http://schemas.microsoft.com/office/powerpoint/2010/main" val="3325456839"/>
       </p:ext>
     </p:extLst>
   </p:cSld>
@@ -3578,7 +3747,7 @@
           <p:cNvPr id="2" name="제목 1">
             <a:extLst>
               <a:ext uri="{FF2B5EF4-FFF2-40B4-BE49-F238E27FC236}">
-                <a16:creationId xmlns:a16="http://schemas.microsoft.com/office/drawing/2014/main" id="{3E5C5213-D832-4954-9EC7-C4254BEBDA3A}"/>
+                <a16:creationId xmlns:a16="http://schemas.microsoft.com/office/drawing/2014/main" id="{9CF723E4-4A79-4394-A207-F6AC63E1AB56}"/>
               </a:ext>
             </a:extLst>
           </p:cNvPr>
@@ -3596,7 +3765,7 @@
           <a:p>
             <a:r>
               <a:rPr lang="ko-KR" altLang="en-US" dirty="0" err="1"/>
-              <a:t>조회도순</a:t>
+              <a:t>단어포함제외순</a:t>
             </a:r>
             <a:r>
               <a:rPr lang="ko-KR" altLang="en-US" dirty="0"/>
@@ -3610,7 +3779,7 @@
           <p:cNvPr id="3" name="내용 개체 틀 2">
             <a:extLst>
               <a:ext uri="{FF2B5EF4-FFF2-40B4-BE49-F238E27FC236}">
-                <a16:creationId xmlns:a16="http://schemas.microsoft.com/office/drawing/2014/main" id="{5997B002-E01C-4C1D-8292-3AF0B6DCD753}"/>
+                <a16:creationId xmlns:a16="http://schemas.microsoft.com/office/drawing/2014/main" id="{7FBADA15-3100-4B0E-A8F4-87D7AACAB104}"/>
               </a:ext>
             </a:extLst>
           </p:cNvPr>
@@ -3623,119 +3792,114 @@
         </p:nvSpPr>
         <p:spPr/>
         <p:txBody>
-          <a:bodyPr/>
-          <a:lstStyle/>
-          <a:p>
+          <a:bodyPr>
+            <a:normAutofit/>
+          </a:bodyPr>
+          <a:lstStyle/>
+          <a:p>
+            <a:r>
+              <a:rPr lang="en-US" altLang="ko-KR" dirty="0" err="1"/>
+              <a:t>fopen</a:t>
+            </a:r>
             <a:r>
               <a:rPr lang="ko-KR" altLang="en-US" dirty="0"/>
-              <a:t>입력자가 가진 파일들 중 가장 많이 열린 파일을 우선순위로 </a:t>
-            </a:r>
-            <a:r>
-              <a:rPr lang="ko-KR" altLang="en-US" dirty="0" err="1"/>
-              <a:t>랭킹한다</a:t>
+              <a:t>을 이용하여 텍스트파일을 연다</a:t>
             </a:r>
             <a:r>
               <a:rPr lang="en-US" altLang="ko-KR" dirty="0"/>
               <a:t>.</a:t>
             </a:r>
-            <a:endParaRPr lang="ko-KR" altLang="en-US" dirty="0"/>
-          </a:p>
-        </p:txBody>
-      </p:sp>
-    </p:spTree>
-    <p:extLst>
-      <p:ext uri="{BB962C8B-B14F-4D97-AF65-F5344CB8AC3E}">
-        <p14:creationId xmlns:p14="http://schemas.microsoft.com/office/powerpoint/2010/main" val="3325456839"/>
-      </p:ext>
-    </p:extLst>
-  </p:cSld>
-  <p:clrMapOvr>
-    <a:masterClrMapping/>
-  </p:clrMapOvr>
-</p:sld>
-</file>
-
-<file path=ppt/slides/slide5.xml><?xml version="1.0" encoding="utf-8"?>
-<p:sld xmlns:a="http://schemas.openxmlformats.org/drawingml/2006/main" xmlns:r="http://schemas.openxmlformats.org/officeDocument/2006/relationships" xmlns:p="http://schemas.openxmlformats.org/presentationml/2006/main">
-  <p:cSld>
-    <p:spTree>
-      <p:nvGrpSpPr>
-        <p:cNvPr id="1" name=""/>
-        <p:cNvGrpSpPr/>
-        <p:nvPr/>
-      </p:nvGrpSpPr>
-      <p:grpSpPr>
-        <a:xfrm>
-          <a:off x="0" y="0"/>
-          <a:ext cx="0" cy="0"/>
-          <a:chOff x="0" y="0"/>
-          <a:chExt cx="0" cy="0"/>
-        </a:xfrm>
-      </p:grpSpPr>
-      <p:sp>
-        <p:nvSpPr>
-          <p:cNvPr id="2" name="제목 1">
-            <a:extLst>
-              <a:ext uri="{FF2B5EF4-FFF2-40B4-BE49-F238E27FC236}">
-                <a16:creationId xmlns:a16="http://schemas.microsoft.com/office/drawing/2014/main" id="{9CF723E4-4A79-4394-A207-F6AC63E1AB56}"/>
-              </a:ext>
-            </a:extLst>
-          </p:cNvPr>
-          <p:cNvSpPr>
-            <a:spLocks noGrp="1"/>
-          </p:cNvSpPr>
-          <p:nvPr>
-            <p:ph type="title"/>
-          </p:nvPr>
-        </p:nvSpPr>
-        <p:spPr/>
-        <p:txBody>
-          <a:bodyPr/>
-          <a:lstStyle/>
-          <a:p>
+          </a:p>
+          <a:p>
+            <a:r>
+              <a:rPr lang="ko-KR" altLang="en-US" dirty="0"/>
+              <a:t>파일 입력자가 제외하려고 입력한 단어를 포함하지 않은 파일을 남겨둔다</a:t>
+            </a:r>
+            <a:r>
+              <a:rPr lang="en-US" altLang="ko-KR" dirty="0"/>
+              <a:t>.</a:t>
+            </a:r>
+          </a:p>
+          <a:p>
+            <a:r>
+              <a:rPr lang="ko-KR" altLang="en-US" dirty="0"/>
+              <a:t>입력자가 입력한 것에 공백이 포함될 수 있으므로 </a:t>
+            </a:r>
+            <a:r>
+              <a:rPr lang="en-US" altLang="ko-KR" dirty="0"/>
+              <a:t>1</a:t>
+            </a:r>
+            <a:r>
+              <a:rPr lang="ko-KR" altLang="en-US" dirty="0"/>
+              <a:t>차원 배열과 </a:t>
+            </a:r>
+            <a:r>
+              <a:rPr lang="en-US" altLang="ko-KR" dirty="0" err="1"/>
+              <a:t>getchar</a:t>
+            </a:r>
+            <a:r>
+              <a:rPr lang="en-US" altLang="ko-KR" dirty="0"/>
+              <a:t>()</a:t>
+            </a:r>
+            <a:r>
+              <a:rPr lang="ko-KR" altLang="en-US" dirty="0"/>
+              <a:t>를 이용하고 문자열에 관련된 계산을 빠르게 하기위해 </a:t>
+            </a:r>
+            <a:r>
+              <a:rPr lang="en-US" altLang="ko-KR" dirty="0"/>
+              <a:t>&lt;</a:t>
+            </a:r>
+            <a:r>
+              <a:rPr lang="en-US" altLang="ko-KR" dirty="0" err="1"/>
+              <a:t>string.h</a:t>
+            </a:r>
+            <a:r>
+              <a:rPr lang="en-US" altLang="ko-KR" dirty="0"/>
+              <a:t>&gt;</a:t>
+            </a:r>
+            <a:r>
+              <a:rPr lang="ko-KR" altLang="en-US" dirty="0"/>
+              <a:t> 헤더파일을 선언한다</a:t>
+            </a:r>
+            <a:r>
+              <a:rPr lang="en-US" altLang="ko-KR" dirty="0"/>
+              <a:t>.</a:t>
+            </a:r>
+          </a:p>
+          <a:p>
+            <a:r>
+              <a:rPr lang="en-US" altLang="ko-KR" dirty="0"/>
+              <a:t>for</a:t>
+            </a:r>
+            <a:r>
+              <a:rPr lang="ko-KR" altLang="en-US" dirty="0"/>
+              <a:t>문을 이용하여 위의 과정을 모든 텍스트파일에 반복한다</a:t>
+            </a:r>
+            <a:r>
+              <a:rPr lang="en-US" altLang="ko-KR" dirty="0"/>
+              <a:t>.</a:t>
+            </a:r>
+          </a:p>
+          <a:p>
+            <a:r>
+              <a:rPr lang="ko-KR" altLang="en-US" dirty="0"/>
+              <a:t>남겨둔 파일에서 포함하려고 입력한 단어를 </a:t>
+            </a:r>
+            <a:r>
+              <a:rPr lang="en-US" altLang="ko-KR" dirty="0"/>
+              <a:t>2</a:t>
+            </a:r>
+            <a:r>
+              <a:rPr lang="ko-KR" altLang="en-US" dirty="0"/>
+              <a:t>번째 </a:t>
+            </a:r>
             <a:r>
               <a:rPr lang="ko-KR" altLang="en-US" dirty="0" err="1"/>
-              <a:t>단어포함제외순</a:t>
+              <a:t>피피티에서</a:t>
             </a:r>
             <a:r>
               <a:rPr lang="ko-KR" altLang="en-US" dirty="0"/>
-              <a:t> 랭킹</a:t>
-            </a:r>
-          </a:p>
-        </p:txBody>
-      </p:sp>
-      <p:sp>
-        <p:nvSpPr>
-          <p:cNvPr id="3" name="내용 개체 틀 2">
-            <a:extLst>
-              <a:ext uri="{FF2B5EF4-FFF2-40B4-BE49-F238E27FC236}">
-                <a16:creationId xmlns:a16="http://schemas.microsoft.com/office/drawing/2014/main" id="{7FBADA15-3100-4B0E-A8F4-87D7AACAB104}"/>
-              </a:ext>
-            </a:extLst>
-          </p:cNvPr>
-          <p:cNvSpPr>
-            <a:spLocks noGrp="1"/>
-          </p:cNvSpPr>
-          <p:nvPr>
-            <p:ph idx="1"/>
-          </p:nvPr>
-        </p:nvSpPr>
-        <p:spPr/>
-        <p:txBody>
-          <a:bodyPr/>
-          <a:lstStyle/>
-          <a:p>
-            <a:r>
-              <a:rPr lang="ko-KR" altLang="en-US" dirty="0"/>
-              <a:t>파일 입력자가 제외하려고 입력한 단어를 포함하지 않은 파일에서 포함하려고 입력한 단어를 </a:t>
-            </a:r>
-            <a:r>
-              <a:rPr lang="ko-KR" altLang="en-US" dirty="0" err="1"/>
-              <a:t>정확도순나</a:t>
-            </a:r>
-            <a:r>
-              <a:rPr lang="ko-KR" altLang="en-US" dirty="0"/>
-              <a:t> 최신순을 우선순위로 </a:t>
+              <a:t> 설명한 정확도순을 이용하여 우선순위로 </a:t>
             </a:r>
             <a:r>
               <a:rPr lang="ko-KR" altLang="en-US" dirty="0" err="1"/>
